--- a/pre.pptx
+++ b/pre.pptx
@@ -208,7 +208,7 @@
           <a:p>
             <a:fld id="{36D28993-F13C-40B1-A886-438753DF60AE}" type="datetimeFigureOut">
               <a:rPr lang="zh-CN" altLang="en-US" smtClean="0"/>
-              <a:t>2024/6/25</a:t>
+              <a:t>2024/6/26</a:t>
             </a:fld>
             <a:endParaRPr lang="zh-CN" altLang="en-US"/>
           </a:p>
@@ -706,7 +706,7 @@
           <a:p>
             <a:fld id="{4049C48F-9A3D-4608-AB04-AB52C2AE83BD}" type="datetimeFigureOut">
               <a:rPr lang="zh-CN" altLang="en-US" smtClean="0"/>
-              <a:t>2024/6/25</a:t>
+              <a:t>2024/6/26</a:t>
             </a:fld>
             <a:endParaRPr lang="zh-CN" altLang="en-US"/>
           </a:p>
@@ -904,7 +904,7 @@
           <a:p>
             <a:fld id="{4049C48F-9A3D-4608-AB04-AB52C2AE83BD}" type="datetimeFigureOut">
               <a:rPr lang="zh-CN" altLang="en-US" smtClean="0"/>
-              <a:t>2024/6/25</a:t>
+              <a:t>2024/6/26</a:t>
             </a:fld>
             <a:endParaRPr lang="zh-CN" altLang="en-US"/>
           </a:p>
@@ -1112,7 +1112,7 @@
           <a:p>
             <a:fld id="{4049C48F-9A3D-4608-AB04-AB52C2AE83BD}" type="datetimeFigureOut">
               <a:rPr lang="zh-CN" altLang="en-US" smtClean="0"/>
-              <a:t>2024/6/25</a:t>
+              <a:t>2024/6/26</a:t>
             </a:fld>
             <a:endParaRPr lang="zh-CN" altLang="en-US"/>
           </a:p>
@@ -1310,7 +1310,7 @@
           <a:p>
             <a:fld id="{4049C48F-9A3D-4608-AB04-AB52C2AE83BD}" type="datetimeFigureOut">
               <a:rPr lang="zh-CN" altLang="en-US" smtClean="0"/>
-              <a:t>2024/6/25</a:t>
+              <a:t>2024/6/26</a:t>
             </a:fld>
             <a:endParaRPr lang="zh-CN" altLang="en-US"/>
           </a:p>
@@ -1585,7 +1585,7 @@
           <a:p>
             <a:fld id="{4049C48F-9A3D-4608-AB04-AB52C2AE83BD}" type="datetimeFigureOut">
               <a:rPr lang="zh-CN" altLang="en-US" smtClean="0"/>
-              <a:t>2024/6/25</a:t>
+              <a:t>2024/6/26</a:t>
             </a:fld>
             <a:endParaRPr lang="zh-CN" altLang="en-US"/>
           </a:p>
@@ -1850,7 +1850,7 @@
           <a:p>
             <a:fld id="{4049C48F-9A3D-4608-AB04-AB52C2AE83BD}" type="datetimeFigureOut">
               <a:rPr lang="zh-CN" altLang="en-US" smtClean="0"/>
-              <a:t>2024/6/25</a:t>
+              <a:t>2024/6/26</a:t>
             </a:fld>
             <a:endParaRPr lang="zh-CN" altLang="en-US"/>
           </a:p>
@@ -2262,7 +2262,7 @@
           <a:p>
             <a:fld id="{4049C48F-9A3D-4608-AB04-AB52C2AE83BD}" type="datetimeFigureOut">
               <a:rPr lang="zh-CN" altLang="en-US" smtClean="0"/>
-              <a:t>2024/6/25</a:t>
+              <a:t>2024/6/26</a:t>
             </a:fld>
             <a:endParaRPr lang="zh-CN" altLang="en-US"/>
           </a:p>
@@ -2403,7 +2403,7 @@
           <a:p>
             <a:fld id="{4049C48F-9A3D-4608-AB04-AB52C2AE83BD}" type="datetimeFigureOut">
               <a:rPr lang="zh-CN" altLang="en-US" smtClean="0"/>
-              <a:t>2024/6/25</a:t>
+              <a:t>2024/6/26</a:t>
             </a:fld>
             <a:endParaRPr lang="zh-CN" altLang="en-US"/>
           </a:p>
@@ -2516,7 +2516,7 @@
           <a:p>
             <a:fld id="{4049C48F-9A3D-4608-AB04-AB52C2AE83BD}" type="datetimeFigureOut">
               <a:rPr lang="zh-CN" altLang="en-US" smtClean="0"/>
-              <a:t>2024/6/25</a:t>
+              <a:t>2024/6/26</a:t>
             </a:fld>
             <a:endParaRPr lang="zh-CN" altLang="en-US"/>
           </a:p>
@@ -2827,7 +2827,7 @@
           <a:p>
             <a:fld id="{4049C48F-9A3D-4608-AB04-AB52C2AE83BD}" type="datetimeFigureOut">
               <a:rPr lang="zh-CN" altLang="en-US" smtClean="0"/>
-              <a:t>2024/6/25</a:t>
+              <a:t>2024/6/26</a:t>
             </a:fld>
             <a:endParaRPr lang="zh-CN" altLang="en-US"/>
           </a:p>
@@ -3115,7 +3115,7 @@
           <a:p>
             <a:fld id="{4049C48F-9A3D-4608-AB04-AB52C2AE83BD}" type="datetimeFigureOut">
               <a:rPr lang="zh-CN" altLang="en-US" smtClean="0"/>
-              <a:t>2024/6/25</a:t>
+              <a:t>2024/6/26</a:t>
             </a:fld>
             <a:endParaRPr lang="zh-CN" altLang="en-US"/>
           </a:p>
@@ -3356,7 +3356,7 @@
           <a:p>
             <a:fld id="{4049C48F-9A3D-4608-AB04-AB52C2AE83BD}" type="datetimeFigureOut">
               <a:rPr lang="zh-CN" altLang="en-US" smtClean="0"/>
-              <a:t>2024/6/25</a:t>
+              <a:t>2024/6/26</a:t>
             </a:fld>
             <a:endParaRPr lang="zh-CN" altLang="en-US"/>
           </a:p>
@@ -4698,16 +4698,77 @@
         <p:spPr>
           <a:xfrm>
             <a:off x="838200" y="1098698"/>
-            <a:ext cx="10515600" cy="5078265"/>
+            <a:ext cx="10515600" cy="5547267"/>
           </a:xfrm>
         </p:spPr>
         <p:txBody>
           <a:bodyPr>
-            <a:normAutofit lnSpcReduction="10000"/>
+            <a:normAutofit fontScale="77500" lnSpcReduction="20000"/>
           </a:bodyPr>
           <a:lstStyle/>
           <a:p>
             <a:r>
+              <a:rPr lang="en-US" altLang="zh-CN" dirty="0" err="1"/>
+              <a:t>Tensorrt</a:t>
+            </a:r>
+            <a:r>
+              <a:rPr lang="zh-CN" altLang="en-US" dirty="0"/>
+              <a:t>下性能对比</a:t>
+            </a:r>
+            <a:endParaRPr lang="en-US" altLang="zh-CN" dirty="0"/>
+          </a:p>
+          <a:p>
+            <a:r>
+              <a:rPr lang="en-US" altLang="zh-CN" dirty="0"/>
+              <a:t>v8n:    0.918,  49</a:t>
+            </a:r>
+            <a:r>
+              <a:rPr lang="zh-CN" altLang="en-US" dirty="0"/>
+              <a:t>帧</a:t>
+            </a:r>
+            <a:endParaRPr lang="en-US" altLang="zh-CN" dirty="0"/>
+          </a:p>
+          <a:p>
+            <a:r>
+              <a:rPr lang="en-US" altLang="zh-CN" dirty="0"/>
+              <a:t>v8s:    0.954,  48</a:t>
+            </a:r>
+            <a:r>
+              <a:rPr lang="zh-CN" altLang="en-US" dirty="0"/>
+              <a:t>帧</a:t>
+            </a:r>
+            <a:endParaRPr lang="en-US" altLang="zh-CN" dirty="0"/>
+          </a:p>
+          <a:p>
+            <a:r>
+              <a:rPr lang="en-US" altLang="zh-CN" dirty="0"/>
+              <a:t>v8m:   0.958,  43</a:t>
+            </a:r>
+            <a:r>
+              <a:rPr lang="zh-CN" altLang="en-US" dirty="0"/>
+              <a:t>帧</a:t>
+            </a:r>
+            <a:endParaRPr lang="en-US" altLang="zh-CN" dirty="0"/>
+          </a:p>
+          <a:p>
+            <a:r>
+              <a:rPr lang="en-US" altLang="zh-CN" dirty="0"/>
+              <a:t>v8l:     0.963,  38</a:t>
+            </a:r>
+            <a:r>
+              <a:rPr lang="zh-CN" altLang="en-US" dirty="0"/>
+              <a:t>帧</a:t>
+            </a:r>
+            <a:endParaRPr lang="en-US" altLang="zh-CN" dirty="0"/>
+          </a:p>
+          <a:p>
+            <a:pPr marL="0" indent="0">
+              <a:buNone/>
+            </a:pPr>
+            <a:endParaRPr lang="en-US" altLang="zh-CN" dirty="0"/>
+          </a:p>
+          <a:p>
+            <a:r>
               <a:rPr lang="zh-CN" altLang="en-US" dirty="0"/>
               <a:t>结论：对于我的设备</a:t>
             </a:r>
@@ -4755,7 +4816,7 @@
             </a:r>
             <a:r>
               <a:rPr lang="zh-CN" altLang="en-US" sz="2800" dirty="0"/>
-              <a:t>可以进一步提升性能约 </a:t>
+              <a:t>进一步提升性能约 </a:t>
             </a:r>
             <a:r>
               <a:rPr lang="en-US" altLang="zh-CN" sz="2800" dirty="0"/>
@@ -4763,9 +4824,9 @@
             </a:r>
           </a:p>
           <a:p>
-            <a:endParaRPr lang="en-US" altLang="zh-CN" dirty="0"/>
-          </a:p>
-          <a:p>
+            <a:pPr marL="0" indent="0">
+              <a:buNone/>
+            </a:pPr>
             <a:endParaRPr lang="en-US" altLang="zh-CN" dirty="0"/>
           </a:p>
           <a:p>
@@ -4833,12 +4894,6 @@
               <a:rPr lang="zh-CN" altLang="en-US" dirty="0"/>
               <a:t>约等于人类玩家的中等偏下水平</a:t>
             </a:r>
-            <a:endParaRPr lang="en-US" altLang="zh-CN" dirty="0"/>
-          </a:p>
-          <a:p>
-            <a:pPr marL="0" indent="0">
-              <a:buNone/>
-            </a:pPr>
             <a:endParaRPr lang="en-US" altLang="zh-CN" dirty="0"/>
           </a:p>
           <a:p>
@@ -5085,11 +5140,11 @@
             </a:pPr>
             <a:r>
               <a:rPr lang="en-US" altLang="zh-CN" sz="3200" dirty="0"/>
-              <a:t>YOLOv8 </a:t>
+              <a:t>YOLOv8</a:t>
             </a:r>
             <a:r>
               <a:rPr lang="zh-CN" altLang="en-US" sz="3200" dirty="0"/>
-              <a:t>多版本对比及</a:t>
+              <a:t>版本对比  及</a:t>
             </a:r>
             <a:r>
               <a:rPr lang="en-US" altLang="zh-CN" sz="3200" dirty="0" err="1"/>
@@ -5203,7 +5258,7 @@
         <p:spPr/>
         <p:txBody>
           <a:bodyPr>
-            <a:normAutofit lnSpcReduction="10000"/>
+            <a:normAutofit/>
           </a:bodyPr>
           <a:lstStyle/>
           <a:p>
@@ -5242,7 +5297,7 @@
             </a:pPr>
             <a:r>
               <a:rPr lang="zh-CN" altLang="en-US" dirty="0"/>
-              <a:t>移动鼠标对齐最近目标（多种对齐模式）</a:t>
+              <a:t>自动开枪</a:t>
             </a:r>
             <a:endParaRPr lang="en-US" altLang="zh-CN" dirty="0"/>
           </a:p>
@@ -5252,17 +5307,7 @@
             </a:pPr>
             <a:r>
               <a:rPr lang="zh-CN" altLang="en-US" dirty="0"/>
-              <a:t>自动开枪</a:t>
-            </a:r>
-            <a:endParaRPr lang="en-US" altLang="zh-CN" dirty="0"/>
-          </a:p>
-          <a:p>
-            <a:pPr marL="0" indent="0">
-              <a:buNone/>
-            </a:pPr>
-            <a:r>
-              <a:rPr lang="zh-CN" altLang="en-US" dirty="0"/>
-              <a:t>关闭后展示本次预测信息</a:t>
+              <a:t>展示本次预测信息</a:t>
             </a:r>
             <a:endParaRPr lang="en-US" altLang="zh-CN" dirty="0"/>
           </a:p>
